--- a/主題習題/EX5/Question.pptx
+++ b/主題習題/EX5/Question.pptx
@@ -7,6 +7,7 @@
   <p:sldIdLst>
     <p:sldId id="257" r:id="rId2"/>
     <p:sldId id="258" r:id="rId3"/>
+    <p:sldId id="259" r:id="rId4"/>
   </p:sldIdLst>
   <p:sldSz cx="12192000" cy="6858000"/>
   <p:notesSz cx="6858000" cy="9144000"/>
@@ -244,7 +245,7 @@
           <a:p>
             <a:fld id="{D9BCA265-E28A-4C03-9223-55BAE3F9C8DE}" type="datetimeFigureOut">
               <a:rPr lang="zh-TW" altLang="en-US" smtClean="0"/>
-              <a:t>2016/5/17</a:t>
+              <a:t>2018/5/31</a:t>
             </a:fld>
             <a:endParaRPr lang="zh-TW" altLang="en-US"/>
           </a:p>
@@ -414,7 +415,7 @@
           <a:p>
             <a:fld id="{D9BCA265-E28A-4C03-9223-55BAE3F9C8DE}" type="datetimeFigureOut">
               <a:rPr lang="zh-TW" altLang="en-US" smtClean="0"/>
-              <a:t>2016/5/17</a:t>
+              <a:t>2018/5/31</a:t>
             </a:fld>
             <a:endParaRPr lang="zh-TW" altLang="en-US"/>
           </a:p>
@@ -594,7 +595,7 @@
           <a:p>
             <a:fld id="{D9BCA265-E28A-4C03-9223-55BAE3F9C8DE}" type="datetimeFigureOut">
               <a:rPr lang="zh-TW" altLang="en-US" smtClean="0"/>
-              <a:t>2016/5/17</a:t>
+              <a:t>2018/5/31</a:t>
             </a:fld>
             <a:endParaRPr lang="zh-TW" altLang="en-US"/>
           </a:p>
@@ -764,7 +765,7 @@
           <a:p>
             <a:fld id="{D9BCA265-E28A-4C03-9223-55BAE3F9C8DE}" type="datetimeFigureOut">
               <a:rPr lang="zh-TW" altLang="en-US" smtClean="0"/>
-              <a:t>2016/5/17</a:t>
+              <a:t>2018/5/31</a:t>
             </a:fld>
             <a:endParaRPr lang="zh-TW" altLang="en-US"/>
           </a:p>
@@ -1010,7 +1011,7 @@
           <a:p>
             <a:fld id="{D9BCA265-E28A-4C03-9223-55BAE3F9C8DE}" type="datetimeFigureOut">
               <a:rPr lang="zh-TW" altLang="en-US" smtClean="0"/>
-              <a:t>2016/5/17</a:t>
+              <a:t>2018/5/31</a:t>
             </a:fld>
             <a:endParaRPr lang="zh-TW" altLang="en-US"/>
           </a:p>
@@ -1242,7 +1243,7 @@
           <a:p>
             <a:fld id="{D9BCA265-E28A-4C03-9223-55BAE3F9C8DE}" type="datetimeFigureOut">
               <a:rPr lang="zh-TW" altLang="en-US" smtClean="0"/>
-              <a:t>2016/5/17</a:t>
+              <a:t>2018/5/31</a:t>
             </a:fld>
             <a:endParaRPr lang="zh-TW" altLang="en-US"/>
           </a:p>
@@ -1609,7 +1610,7 @@
           <a:p>
             <a:fld id="{D9BCA265-E28A-4C03-9223-55BAE3F9C8DE}" type="datetimeFigureOut">
               <a:rPr lang="zh-TW" altLang="en-US" smtClean="0"/>
-              <a:t>2016/5/17</a:t>
+              <a:t>2018/5/31</a:t>
             </a:fld>
             <a:endParaRPr lang="zh-TW" altLang="en-US"/>
           </a:p>
@@ -1727,7 +1728,7 @@
           <a:p>
             <a:fld id="{D9BCA265-E28A-4C03-9223-55BAE3F9C8DE}" type="datetimeFigureOut">
               <a:rPr lang="zh-TW" altLang="en-US" smtClean="0"/>
-              <a:t>2016/5/17</a:t>
+              <a:t>2018/5/31</a:t>
             </a:fld>
             <a:endParaRPr lang="zh-TW" altLang="en-US"/>
           </a:p>
@@ -1822,7 +1823,7 @@
           <a:p>
             <a:fld id="{D9BCA265-E28A-4C03-9223-55BAE3F9C8DE}" type="datetimeFigureOut">
               <a:rPr lang="zh-TW" altLang="en-US" smtClean="0"/>
-              <a:t>2016/5/17</a:t>
+              <a:t>2018/5/31</a:t>
             </a:fld>
             <a:endParaRPr lang="zh-TW" altLang="en-US"/>
           </a:p>
@@ -2099,7 +2100,7 @@
           <a:p>
             <a:fld id="{D9BCA265-E28A-4C03-9223-55BAE3F9C8DE}" type="datetimeFigureOut">
               <a:rPr lang="zh-TW" altLang="en-US" smtClean="0"/>
-              <a:t>2016/5/17</a:t>
+              <a:t>2018/5/31</a:t>
             </a:fld>
             <a:endParaRPr lang="zh-TW" altLang="en-US"/>
           </a:p>
@@ -2352,7 +2353,7 @@
           <a:p>
             <a:fld id="{D9BCA265-E28A-4C03-9223-55BAE3F9C8DE}" type="datetimeFigureOut">
               <a:rPr lang="zh-TW" altLang="en-US" smtClean="0"/>
-              <a:t>2016/5/17</a:t>
+              <a:t>2018/5/31</a:t>
             </a:fld>
             <a:endParaRPr lang="zh-TW" altLang="en-US"/>
           </a:p>
@@ -2565,7 +2566,7 @@
           <a:p>
             <a:fld id="{D9BCA265-E28A-4C03-9223-55BAE3F9C8DE}" type="datetimeFigureOut">
               <a:rPr lang="zh-TW" altLang="en-US" smtClean="0"/>
-              <a:t>2016/5/17</a:t>
+              <a:t>2018/5/31</a:t>
             </a:fld>
             <a:endParaRPr lang="zh-TW" altLang="en-US"/>
           </a:p>
@@ -3154,7 +3155,12 @@
             <p:ph idx="1"/>
           </p:nvPr>
         </p:nvSpPr>
-        <p:spPr/>
+        <p:spPr>
+          <a:xfrm>
+            <a:off x="838200" y="1825625"/>
+            <a:ext cx="10515600" cy="4841182"/>
+          </a:xfrm>
+        </p:spPr>
         <p:txBody>
           <a:bodyPr>
             <a:normAutofit fontScale="85000" lnSpcReduction="20000"/>
@@ -3177,157 +3183,171 @@
           <a:p>
             <a:pPr lvl="1"/>
             <a:r>
+              <a:rPr lang="zh-TW" altLang="en-US" sz="3100" dirty="0" smtClean="0"/>
+              <a:t>能將數字小到大或大到小排序</a:t>
+            </a:r>
+            <a:r>
+              <a:rPr lang="en-US" altLang="zh-TW" sz="3100" dirty="0" smtClean="0"/>
+              <a:t>:40 </a:t>
+            </a:r>
+            <a:r>
+              <a:rPr lang="zh-TW" altLang="en-US" sz="3100" dirty="0" smtClean="0"/>
+              <a:t>分</a:t>
+            </a:r>
+            <a:endParaRPr lang="en-US" altLang="zh-TW" sz="3100" dirty="0" smtClean="0"/>
+          </a:p>
+          <a:p>
+            <a:pPr lvl="1"/>
+            <a:r>
+              <a:rPr lang="zh-TW" altLang="en-US" sz="3100" dirty="0"/>
+              <a:t>必須使用</a:t>
+            </a:r>
+            <a:r>
               <a:rPr lang="en-US" altLang="zh-TW" sz="3100" dirty="0"/>
-              <a:t>Normal quick sort :50 </a:t>
-            </a:r>
-            <a:r>
-              <a:rPr lang="zh-TW" altLang="en-US" sz="3100" dirty="0"/>
+              <a:t>random </a:t>
+            </a:r>
+            <a:r>
+              <a:rPr lang="en-US" altLang="zh-TW" sz="3100" dirty="0" smtClean="0"/>
+              <a:t>pivot:15</a:t>
+            </a:r>
+            <a:r>
+              <a:rPr lang="zh-TW" altLang="en-US" sz="3100" dirty="0" smtClean="0"/>
               <a:t>分</a:t>
             </a:r>
+            <a:endParaRPr lang="zh-TW" altLang="en-US" sz="3100" dirty="0"/>
           </a:p>
           <a:p>
             <a:pPr lvl="1"/>
             <a:r>
-              <a:rPr lang="zh-TW" altLang="en-US" sz="3100" dirty="0"/>
-              <a:t>必須使用檔案</a:t>
-            </a:r>
-            <a:r>
-              <a:rPr lang="en-US" altLang="zh-TW" sz="3100" dirty="0"/>
-              <a:t>IO</a:t>
-            </a:r>
-            <a:r>
-              <a:rPr lang="zh-TW" altLang="en-US" sz="3100" dirty="0"/>
-              <a:t>，輸入輸出到檔案中 </a:t>
-            </a:r>
-            <a:r>
-              <a:rPr lang="en-US" altLang="zh-TW" sz="3100" dirty="0"/>
-              <a:t>:20</a:t>
-            </a:r>
-            <a:r>
-              <a:rPr lang="zh-TW" altLang="en-US" sz="3100" dirty="0"/>
-              <a:t>分</a:t>
-            </a:r>
-          </a:p>
-          <a:p>
-            <a:pPr lvl="1"/>
+              <a:rPr lang="zh-TW" altLang="en-US" sz="3100" dirty="0" smtClean="0"/>
+              <a:t>能對</a:t>
+            </a:r>
+            <a:r>
+              <a:rPr lang="en-US" altLang="zh-TW" sz="3100" dirty="0" err="1" smtClean="0"/>
+              <a:t>Struct</a:t>
+            </a:r>
+            <a:r>
+              <a:rPr lang="zh-TW" altLang="en-US" sz="3100" dirty="0" smtClean="0"/>
+              <a:t>的不同欄位進行排序</a:t>
+            </a:r>
             <a:r>
               <a:rPr lang="en-US" altLang="zh-TW" sz="3100" dirty="0" smtClean="0"/>
               <a:t>(</a:t>
             </a:r>
             <a:r>
-              <a:rPr lang="zh-TW" altLang="en-US" sz="3100" dirty="0"/>
-              <a:t>必須同時開啟兩個檔案，一個輸入一個輸出</a:t>
-            </a:r>
-            <a:r>
-              <a:rPr lang="en-US" altLang="zh-TW" sz="3100" dirty="0"/>
-              <a:t>:10</a:t>
-            </a:r>
-            <a:r>
-              <a:rPr lang="zh-TW" altLang="en-US" sz="3100" dirty="0"/>
+              <a:rPr lang="zh-TW" altLang="en-US" sz="3100" dirty="0" smtClean="0"/>
+              <a:t>欄位不一定是數字</a:t>
+            </a:r>
+            <a:r>
+              <a:rPr lang="en-US" altLang="zh-TW" sz="3100" dirty="0" smtClean="0"/>
+              <a:t>) : </a:t>
+            </a:r>
+            <a:r>
+              <a:rPr lang="en-US" altLang="zh-TW" sz="3100" dirty="0" smtClean="0"/>
+              <a:t>10</a:t>
+            </a:r>
+            <a:r>
+              <a:rPr lang="zh-TW" altLang="en-US" sz="3100" dirty="0" smtClean="0"/>
               <a:t>分</a:t>
             </a:r>
-            <a:r>
-              <a:rPr lang="en-US" altLang="zh-TW" sz="3100" dirty="0"/>
-              <a:t>) (</a:t>
-            </a:r>
-            <a:r>
-              <a:rPr lang="zh-TW" altLang="en-US" sz="3100" dirty="0"/>
-              <a:t>格式自訂</a:t>
-            </a:r>
-            <a:r>
-              <a:rPr lang="en-US" altLang="zh-TW" sz="3100" dirty="0"/>
-              <a:t>)</a:t>
-            </a:r>
+            <a:endParaRPr lang="en-US" altLang="zh-TW" sz="3100" dirty="0" smtClean="0"/>
           </a:p>
           <a:p>
             <a:pPr lvl="1"/>
+            <a:r>
+              <a:rPr lang="zh-TW" altLang="en-US" sz="3100" dirty="0" smtClean="0"/>
+              <a:t>使用</a:t>
+            </a:r>
+            <a:r>
+              <a:rPr lang="en-US" altLang="zh-TW" sz="3100" dirty="0" smtClean="0"/>
+              <a:t>file pointer</a:t>
+            </a:r>
+            <a:r>
+              <a:rPr lang="zh-TW" altLang="en-US" sz="3100" dirty="0" smtClean="0"/>
+              <a:t>、</a:t>
+            </a:r>
+            <a:r>
+              <a:rPr lang="en-US" altLang="zh-TW" sz="3100" dirty="0" err="1" smtClean="0"/>
+              <a:t>fopen</a:t>
+            </a:r>
+            <a:r>
+              <a:rPr lang="zh-TW" altLang="en-US" sz="3100" dirty="0" smtClean="0"/>
+              <a:t>等指令，同時開兩個檔案分別讀寫</a:t>
+            </a:r>
             <a:r>
               <a:rPr lang="en-US" altLang="zh-TW" sz="3100" dirty="0" smtClean="0"/>
               <a:t>(</a:t>
             </a:r>
             <a:r>
+              <a:rPr lang="zh-TW" altLang="en-US" sz="3100" dirty="0" smtClean="0"/>
+              <a:t>禁止使用</a:t>
+            </a:r>
+            <a:r>
+              <a:rPr lang="en-US" altLang="zh-TW" sz="3100" dirty="0" err="1" smtClean="0"/>
+              <a:t>freopen</a:t>
+            </a:r>
+            <a:r>
+              <a:rPr lang="en-US" altLang="zh-TW" sz="3100" dirty="0" smtClean="0"/>
+              <a:t>):15</a:t>
+            </a:r>
+            <a:r>
+              <a:rPr lang="zh-TW" altLang="en-US" sz="3100" dirty="0" smtClean="0"/>
+              <a:t>分</a:t>
+            </a:r>
+            <a:endParaRPr lang="en-US" altLang="zh-TW" sz="3100" dirty="0" smtClean="0"/>
+          </a:p>
+          <a:p>
+            <a:pPr lvl="1"/>
+            <a:r>
+              <a:rPr lang="zh-TW" altLang="en-US" sz="3100" dirty="0" smtClean="0"/>
+              <a:t>程式風格</a:t>
+            </a:r>
+            <a:r>
+              <a:rPr lang="en-US" altLang="zh-TW" sz="3100" dirty="0" smtClean="0"/>
+              <a:t>:10</a:t>
+            </a:r>
+            <a:r>
+              <a:rPr lang="zh-TW" altLang="en-US" sz="3100" dirty="0" smtClean="0"/>
+              <a:t>分</a:t>
+            </a:r>
+            <a:endParaRPr lang="en-US" altLang="zh-TW" sz="3100" dirty="0" smtClean="0"/>
+          </a:p>
+          <a:p>
+            <a:pPr lvl="1"/>
+            <a:r>
               <a:rPr lang="zh-TW" altLang="en-US" sz="3100" dirty="0"/>
               <a:t>可輸出為二進位檔案</a:t>
             </a:r>
             <a:r>
               <a:rPr lang="en-US" altLang="zh-TW" sz="3100" dirty="0"/>
+              <a:t>(</a:t>
+            </a:r>
+            <a:r>
+              <a:rPr lang="zh-TW" altLang="en-US" sz="3100" dirty="0"/>
+              <a:t>必須自己寫一個將輸出二進位檔案讀入顯示的驗證程式</a:t>
+            </a:r>
+            <a:r>
+              <a:rPr lang="en-US" altLang="zh-TW" sz="3100" dirty="0"/>
+              <a:t>) </a:t>
+            </a:r>
+            <a:r>
+              <a:rPr lang="en-US" altLang="zh-TW" sz="3100" dirty="0" smtClean="0"/>
               <a:t>:10</a:t>
-            </a:r>
-            <a:r>
-              <a:rPr lang="zh-TW" altLang="en-US" sz="3100" dirty="0"/>
-              <a:t>分 必須自己寫一個將輸出二進位檔案讀入顯示的驗證程式</a:t>
-            </a:r>
-            <a:r>
-              <a:rPr lang="en-US" altLang="zh-TW" sz="3100" dirty="0"/>
-              <a:t>)</a:t>
-            </a:r>
-          </a:p>
-          <a:p>
-            <a:pPr lvl="1"/>
-            <a:r>
-              <a:rPr lang="zh-TW" altLang="en-US" sz="3100" dirty="0"/>
-              <a:t>必須使用</a:t>
-            </a:r>
-            <a:r>
-              <a:rPr lang="en-US" altLang="zh-TW" sz="3100" dirty="0"/>
-              <a:t>random pivot:10</a:t>
-            </a:r>
-            <a:r>
-              <a:rPr lang="zh-TW" altLang="en-US" sz="3100" dirty="0"/>
-              <a:t>分</a:t>
-            </a:r>
-          </a:p>
-          <a:p>
-            <a:pPr lvl="1"/>
-            <a:r>
-              <a:rPr lang="zh-TW" altLang="en-US" sz="3100" dirty="0"/>
-              <a:t>必須使用</a:t>
-            </a:r>
-            <a:r>
-              <a:rPr lang="en-US" altLang="zh-TW" sz="3100" dirty="0"/>
-              <a:t>pointer to function</a:t>
-            </a:r>
-            <a:r>
-              <a:rPr lang="zh-TW" altLang="en-US" sz="3100" dirty="0"/>
-              <a:t>來使用不同的</a:t>
-            </a:r>
-            <a:r>
-              <a:rPr lang="en-US" altLang="zh-TW" sz="3100" dirty="0"/>
-              <a:t>compare </a:t>
-            </a:r>
-            <a:r>
-              <a:rPr lang="en-US" altLang="zh-TW" sz="3100" dirty="0" err="1"/>
-              <a:t>func</a:t>
-            </a:r>
-            <a:r>
-              <a:rPr lang="en-US" altLang="zh-TW" sz="3100" dirty="0"/>
-              <a:t> :10</a:t>
-            </a:r>
-            <a:r>
-              <a:rPr lang="zh-TW" altLang="en-US" sz="3100" dirty="0"/>
-              <a:t>分</a:t>
-            </a:r>
-          </a:p>
-          <a:p>
-            <a:pPr lvl="1"/>
-            <a:r>
-              <a:rPr lang="en-US" altLang="zh-TW" sz="3100" dirty="0" err="1"/>
-              <a:t>Struct</a:t>
-            </a:r>
-            <a:r>
-              <a:rPr lang="en-US" altLang="zh-TW" sz="3100" dirty="0"/>
-              <a:t> : 10</a:t>
             </a:r>
             <a:r>
               <a:rPr lang="zh-TW" altLang="en-US" sz="3100" dirty="0" smtClean="0"/>
               <a:t>分</a:t>
             </a:r>
-            <a:endParaRPr lang="zh-TW" altLang="en-US" dirty="0"/>
-          </a:p>
-          <a:p>
+            <a:endParaRPr lang="en-US" altLang="zh-TW" sz="3100" dirty="0" smtClean="0"/>
+          </a:p>
+          <a:p>
+            <a:r>
+              <a:rPr lang="en-US" altLang="zh-TW" dirty="0" smtClean="0"/>
+              <a:t>PS</a:t>
+            </a:r>
             <a:r>
               <a:rPr lang="en-US" altLang="zh-TW" dirty="0"/>
-              <a:t>PS:</a:t>
+              <a:t>:</a:t>
             </a:r>
             <a:r>
               <a:rPr lang="zh-TW" altLang="en-US" dirty="0"/>
@@ -3343,8 +3363,39 @@
             </a:r>
             <a:r>
               <a:rPr lang="en-US" altLang="zh-TW" dirty="0"/>
-              <a:t>partition function</a:t>
-            </a:r>
+              <a:t>partition </a:t>
+            </a:r>
+            <a:r>
+              <a:rPr lang="en-US" altLang="zh-TW" dirty="0" smtClean="0"/>
+              <a:t>function</a:t>
+            </a:r>
+          </a:p>
+          <a:p>
+            <a:r>
+              <a:rPr lang="zh-TW" altLang="en-US" dirty="0" smtClean="0"/>
+              <a:t>不能呼叫任何內建的排序函式</a:t>
+            </a:r>
+            <a:r>
+              <a:rPr lang="en-US" altLang="zh-TW" dirty="0" smtClean="0"/>
+              <a:t>(sort</a:t>
+            </a:r>
+            <a:r>
+              <a:rPr lang="zh-TW" altLang="en-US" dirty="0" smtClean="0"/>
+              <a:t>、</a:t>
+            </a:r>
+            <a:r>
+              <a:rPr lang="en-US" altLang="zh-TW" dirty="0" err="1" smtClean="0"/>
+              <a:t>qsor</a:t>
+            </a:r>
+            <a:r>
+              <a:rPr lang="en-US" altLang="zh-TW" dirty="0" err="1"/>
+              <a:t>t</a:t>
+            </a:r>
+            <a:r>
+              <a:rPr lang="en-US" altLang="zh-TW" dirty="0" smtClean="0"/>
+              <a:t>)</a:t>
+            </a:r>
+            <a:endParaRPr lang="en-US" altLang="zh-TW" dirty="0"/>
           </a:p>
           <a:p>
             <a:r>
@@ -3389,6 +3440,203 @@
     <p:extLst>
       <p:ext uri="{BB962C8B-B14F-4D97-AF65-F5344CB8AC3E}">
         <p14:creationId xmlns:p14="http://schemas.microsoft.com/office/powerpoint/2010/main" val="3315952228"/>
+      </p:ext>
+    </p:extLst>
+  </p:cSld>
+  <p:clrMapOvr>
+    <a:masterClrMapping/>
+  </p:clrMapOvr>
+</p:sld>
+</file>
+
+<file path=ppt/slides/slide3.xml><?xml version="1.0" encoding="utf-8"?>
+<p:sld xmlns:a="http://schemas.openxmlformats.org/drawingml/2006/main" xmlns:r="http://schemas.openxmlformats.org/officeDocument/2006/relationships" xmlns:p="http://schemas.openxmlformats.org/presentationml/2006/main">
+  <p:cSld>
+    <p:spTree>
+      <p:nvGrpSpPr>
+        <p:cNvPr id="1" name=""/>
+        <p:cNvGrpSpPr/>
+        <p:nvPr/>
+      </p:nvGrpSpPr>
+      <p:grpSpPr>
+        <a:xfrm>
+          <a:off x="0" y="0"/>
+          <a:ext cx="0" cy="0"/>
+          <a:chOff x="0" y="0"/>
+          <a:chExt cx="0" cy="0"/>
+        </a:xfrm>
+      </p:grpSpPr>
+      <p:sp>
+        <p:nvSpPr>
+          <p:cNvPr id="2" name="標題 1"/>
+          <p:cNvSpPr>
+            <a:spLocks noGrp="1"/>
+          </p:cNvSpPr>
+          <p:nvPr>
+            <p:ph type="title"/>
+          </p:nvPr>
+        </p:nvSpPr>
+        <p:spPr/>
+        <p:txBody>
+          <a:bodyPr/>
+          <a:lstStyle/>
+          <a:p>
+            <a:r>
+              <a:rPr lang="en-US" altLang="zh-TW" dirty="0" smtClean="0"/>
+              <a:t>Bonus</a:t>
+            </a:r>
+            <a:endParaRPr lang="zh-TW" altLang="en-US" dirty="0"/>
+          </a:p>
+        </p:txBody>
+      </p:sp>
+      <p:sp>
+        <p:nvSpPr>
+          <p:cNvPr id="3" name="內容版面配置區 2"/>
+          <p:cNvSpPr>
+            <a:spLocks noGrp="1"/>
+          </p:cNvSpPr>
+          <p:nvPr>
+            <p:ph idx="1"/>
+          </p:nvPr>
+        </p:nvSpPr>
+        <p:spPr/>
+        <p:txBody>
+          <a:bodyPr/>
+          <a:lstStyle/>
+          <a:p>
+            <a:pPr marL="228600" lvl="1">
+              <a:spcBef>
+                <a:spcPts val="1000"/>
+              </a:spcBef>
+            </a:pPr>
+            <a:r>
+              <a:rPr lang="zh-TW" altLang="en-US" sz="3100" dirty="0"/>
+              <a:t>使用</a:t>
+            </a:r>
+            <a:r>
+              <a:rPr lang="en-US" altLang="zh-TW" sz="3100" dirty="0"/>
+              <a:t>pointer</a:t>
+            </a:r>
+            <a:r>
+              <a:rPr lang="zh-TW" altLang="en-US" sz="3100" dirty="0"/>
+              <a:t> </a:t>
+            </a:r>
+            <a:r>
+              <a:rPr lang="en-US" altLang="zh-TW" sz="3100" dirty="0"/>
+              <a:t>to</a:t>
+            </a:r>
+            <a:r>
+              <a:rPr lang="zh-TW" altLang="en-US" sz="3100" dirty="0"/>
+              <a:t> </a:t>
+            </a:r>
+            <a:r>
+              <a:rPr lang="en-US" altLang="zh-TW" sz="3100" dirty="0"/>
+              <a:t>function</a:t>
+            </a:r>
+            <a:r>
+              <a:rPr lang="zh-TW" altLang="en-US" sz="3100" dirty="0"/>
+              <a:t>呼叫不同的</a:t>
+            </a:r>
+            <a:r>
+              <a:rPr lang="en-US" altLang="zh-TW" sz="3100" dirty="0"/>
+              <a:t>compare</a:t>
+            </a:r>
+            <a:r>
+              <a:rPr lang="zh-TW" altLang="en-US" sz="3100" dirty="0"/>
+              <a:t> </a:t>
+            </a:r>
+            <a:r>
+              <a:rPr lang="en-US" altLang="zh-TW" sz="3100" dirty="0" smtClean="0"/>
+              <a:t>function</a:t>
+            </a:r>
+          </a:p>
+          <a:p>
+            <a:r>
+              <a:rPr lang="zh-TW" altLang="en-US" dirty="0" smtClean="0"/>
+              <a:t>如同</a:t>
+            </a:r>
+            <a:r>
+              <a:rPr lang="en-US" altLang="zh-TW" dirty="0" err="1" smtClean="0"/>
+              <a:t>q</a:t>
+            </a:r>
+            <a:r>
+              <a:rPr lang="en-US" altLang="zh-TW" dirty="0" err="1" smtClean="0"/>
+              <a:t>osrt</a:t>
+            </a:r>
+            <a:r>
+              <a:rPr lang="zh-TW" altLang="en-US" dirty="0" smtClean="0"/>
+              <a:t>，使用者自行指定資料起始位置、需排序的元素個數、每個元素的大小，以及比較函數</a:t>
+            </a:r>
+            <a:r>
+              <a:rPr lang="en-US" altLang="zh-TW" dirty="0" smtClean="0"/>
+              <a:t>compare</a:t>
+            </a:r>
+            <a:r>
+              <a:rPr lang="zh-TW" altLang="en-US" dirty="0"/>
+              <a:t> </a:t>
+            </a:r>
+            <a:r>
+              <a:rPr lang="en-US" altLang="zh-TW" dirty="0" smtClean="0"/>
+              <a:t>functio</a:t>
+            </a:r>
+            <a:r>
+              <a:rPr lang="en-US" altLang="zh-TW" dirty="0"/>
+              <a:t>n</a:t>
+            </a:r>
+            <a:endParaRPr lang="en-US" altLang="zh-TW" dirty="0" smtClean="0"/>
+          </a:p>
+          <a:p>
+            <a:r>
+              <a:rPr lang="en-US" altLang="zh-TW" dirty="0" smtClean="0"/>
+              <a:t>Hint:</a:t>
+            </a:r>
+            <a:r>
+              <a:rPr lang="zh-TW" altLang="en-US" dirty="0" smtClean="0"/>
+              <a:t>使用</a:t>
+            </a:r>
+            <a:r>
+              <a:rPr lang="en-US" altLang="zh-TW" dirty="0" err="1" smtClean="0"/>
+              <a:t>memcpy</a:t>
+            </a:r>
+            <a:r>
+              <a:rPr lang="zh-TW" altLang="en-US" dirty="0" smtClean="0"/>
+              <a:t>可以移動指定長度的資料</a:t>
+            </a:r>
+            <a:endParaRPr lang="en-US" altLang="zh-TW" dirty="0" smtClean="0"/>
+          </a:p>
+          <a:p>
+            <a:r>
+              <a:rPr lang="zh-TW" altLang="en-US" dirty="0" smtClean="0"/>
+              <a:t>可以做到自由對應各型態與各種</a:t>
+            </a:r>
+            <a:r>
+              <a:rPr lang="en-US" altLang="zh-TW" dirty="0" smtClean="0"/>
+              <a:t>compare</a:t>
+            </a:r>
+            <a:r>
+              <a:rPr lang="zh-TW" altLang="en-US" dirty="0"/>
+              <a:t> </a:t>
+            </a:r>
+            <a:r>
+              <a:rPr lang="en-US" altLang="zh-TW" dirty="0" smtClean="0"/>
+              <a:t>function</a:t>
+            </a:r>
+            <a:r>
+              <a:rPr lang="zh-TW" altLang="en-US" dirty="0" smtClean="0"/>
+              <a:t>者，本題分數*</a:t>
+            </a:r>
+            <a:r>
+              <a:rPr lang="en-US" altLang="zh-TW" smtClean="0"/>
+              <a:t>150%</a:t>
+            </a:r>
+            <a:endParaRPr lang="en-US" altLang="zh-TW" dirty="0"/>
+          </a:p>
+        </p:txBody>
+      </p:sp>
+    </p:spTree>
+    <p:extLst>
+      <p:ext uri="{BB962C8B-B14F-4D97-AF65-F5344CB8AC3E}">
+        <p14:creationId xmlns:p14="http://schemas.microsoft.com/office/powerpoint/2010/main" val="1405810896"/>
       </p:ext>
     </p:extLst>
   </p:cSld>
